--- a/PCP_Presentation.pptx
+++ b/PCP_Presentation.pptx
@@ -6424,6 +6424,46 @@
           </a:prstGeom>
         </p:spPr>
       </p:pic>
+      <p:sp>
+        <p:nvSpPr>
+          <p:cNvPr id="2" name="TextBox 1">
+            <a:extLst>
+              <a:ext uri="{FF2B5EF4-FFF2-40B4-BE49-F238E27FC236}">
+                <a16:creationId xmlns:a16="http://schemas.microsoft.com/office/drawing/2014/main" id="{EF0E9130-98D3-4C9A-A048-F1D17E17F642}"/>
+              </a:ext>
+            </a:extLst>
+          </p:cNvPr>
+          <p:cNvSpPr txBox="1"/>
+          <p:nvPr/>
+        </p:nvSpPr>
+        <p:spPr>
+          <a:xfrm flipH="1">
+            <a:off x="8066761" y="1885950"/>
+            <a:ext cx="2502811" cy="369332"/>
+          </a:xfrm>
+          <a:prstGeom prst="rect">
+            <a:avLst/>
+          </a:prstGeom>
+          <a:noFill/>
+        </p:spPr>
+        <p:txBody>
+          <a:bodyPr wrap="square" rtlCol="0">
+            <a:spAutoFit/>
+          </a:bodyPr>
+          <a:lstStyle/>
+          <a:p>
+            <a:r>
+              <a:rPr lang="en-GB" dirty="0" err="1"/>
+              <a:t>Mapeamento</a:t>
+            </a:r>
+            <a:r>
+              <a:rPr lang="en-GB" dirty="0"/>
+              <a:t> por core</a:t>
+            </a:r>
+            <a:endParaRPr lang="pt-PT" dirty="0"/>
+          </a:p>
+        </p:txBody>
+      </p:sp>
     </p:spTree>
     <p:extLst>
       <p:ext uri="{BB962C8B-B14F-4D97-AF65-F5344CB8AC3E}">
@@ -6638,6 +6678,46 @@
           </a:prstGeom>
         </p:spPr>
       </p:pic>
+      <p:sp>
+        <p:nvSpPr>
+          <p:cNvPr id="8" name="TextBox 7">
+            <a:extLst>
+              <a:ext uri="{FF2B5EF4-FFF2-40B4-BE49-F238E27FC236}">
+                <a16:creationId xmlns:a16="http://schemas.microsoft.com/office/drawing/2014/main" id="{4D13C6D4-D7E8-4F2B-B676-04C601D6E9AE}"/>
+              </a:ext>
+            </a:extLst>
+          </p:cNvPr>
+          <p:cNvSpPr txBox="1"/>
+          <p:nvPr/>
+        </p:nvSpPr>
+        <p:spPr>
+          <a:xfrm flipH="1">
+            <a:off x="8066762" y="1885950"/>
+            <a:ext cx="2502811" cy="646331"/>
+          </a:xfrm>
+          <a:prstGeom prst="rect">
+            <a:avLst/>
+          </a:prstGeom>
+          <a:noFill/>
+        </p:spPr>
+        <p:txBody>
+          <a:bodyPr wrap="square" rtlCol="0">
+            <a:spAutoFit/>
+          </a:bodyPr>
+          <a:lstStyle/>
+          <a:p>
+            <a:r>
+              <a:rPr lang="en-GB" dirty="0" err="1"/>
+              <a:t>Mapeamento</a:t>
+            </a:r>
+            <a:r>
+              <a:rPr lang="en-GB" dirty="0"/>
+              <a:t> por socket</a:t>
+            </a:r>
+            <a:endParaRPr lang="pt-PT" dirty="0"/>
+          </a:p>
+        </p:txBody>
+      </p:sp>
     </p:spTree>
     <p:extLst>
       <p:ext uri="{BB962C8B-B14F-4D97-AF65-F5344CB8AC3E}">
@@ -6852,6 +6932,50 @@
           </a:prstGeom>
         </p:spPr>
       </p:pic>
+      <p:sp>
+        <p:nvSpPr>
+          <p:cNvPr id="8" name="TextBox 7">
+            <a:extLst>
+              <a:ext uri="{FF2B5EF4-FFF2-40B4-BE49-F238E27FC236}">
+                <a16:creationId xmlns:a16="http://schemas.microsoft.com/office/drawing/2014/main" id="{C9478160-722C-427C-9AB9-8497F6CC8DAC}"/>
+              </a:ext>
+            </a:extLst>
+          </p:cNvPr>
+          <p:cNvSpPr txBox="1"/>
+          <p:nvPr/>
+        </p:nvSpPr>
+        <p:spPr>
+          <a:xfrm flipH="1">
+            <a:off x="8066761" y="1885950"/>
+            <a:ext cx="2502811" cy="369332"/>
+          </a:xfrm>
+          <a:prstGeom prst="rect">
+            <a:avLst/>
+          </a:prstGeom>
+          <a:noFill/>
+        </p:spPr>
+        <p:txBody>
+          <a:bodyPr wrap="square" rtlCol="0">
+            <a:spAutoFit/>
+          </a:bodyPr>
+          <a:lstStyle/>
+          <a:p>
+            <a:r>
+              <a:rPr lang="en-GB" dirty="0" err="1"/>
+              <a:t>Mapeamento</a:t>
+            </a:r>
+            <a:r>
+              <a:rPr lang="en-GB" dirty="0"/>
+              <a:t> por </a:t>
+            </a:r>
+            <a:r>
+              <a:rPr lang="en-GB" dirty="0" err="1"/>
+              <a:t>nodo</a:t>
+            </a:r>
+            <a:endParaRPr lang="pt-PT" dirty="0"/>
+          </a:p>
+        </p:txBody>
+      </p:sp>
     </p:spTree>
     <p:extLst>
       <p:ext uri="{BB962C8B-B14F-4D97-AF65-F5344CB8AC3E}">
@@ -7751,6 +7875,41 @@
           <a:p>
             <a:pPr algn="ctr"/>
             <a:endParaRPr lang="en-US"/>
+          </a:p>
+        </p:txBody>
+      </p:sp>
+      <p:sp>
+        <p:nvSpPr>
+          <p:cNvPr id="18" name="TextBox 17">
+            <a:extLst>
+              <a:ext uri="{FF2B5EF4-FFF2-40B4-BE49-F238E27FC236}">
+                <a16:creationId xmlns:a16="http://schemas.microsoft.com/office/drawing/2014/main" id="{5F6C73E3-A13B-460A-AEAC-EC5C4704D65F}"/>
+              </a:ext>
+            </a:extLst>
+          </p:cNvPr>
+          <p:cNvSpPr txBox="1"/>
+          <p:nvPr/>
+        </p:nvSpPr>
+        <p:spPr>
+          <a:xfrm flipH="1">
+            <a:off x="8066761" y="1885950"/>
+            <a:ext cx="2502811" cy="369332"/>
+          </a:xfrm>
+          <a:prstGeom prst="rect">
+            <a:avLst/>
+          </a:prstGeom>
+          <a:noFill/>
+        </p:spPr>
+        <p:txBody>
+          <a:bodyPr wrap="square" rtlCol="0">
+            <a:spAutoFit/>
+          </a:bodyPr>
+          <a:lstStyle/>
+          <a:p>
+            <a:r>
+              <a:rPr lang="en-GB" i="1" dirty="0"/>
+              <a:t>Work Load</a:t>
+            </a:r>
           </a:p>
         </p:txBody>
       </p:sp>

--- a/PCP_Presentation.pptx
+++ b/PCP_Presentation.pptx
@@ -154,6 +154,62 @@
 </p:cmAuthorLst>
 </file>
 
+<file path=ppt/ink/ink1.xml><?xml version="1.0" encoding="utf-8"?>
+<inkml:ink xmlns:inkml="http://www.w3.org/2003/InkML">
+  <inkml:definitions>
+    <inkml:context xml:id="ctx0">
+      <inkml:inkSource xml:id="inkSrc0">
+        <inkml:traceFormat>
+          <inkml:channel name="X" type="integer" max="24622" units="cm"/>
+          <inkml:channel name="Y" type="integer" max="13850" units="cm"/>
+          <inkml:channel name="T" type="integer" max="2.14748E9" units="dev"/>
+        </inkml:traceFormat>
+        <inkml:channelProperties>
+          <inkml:channelProperty channel="X" name="resolution" value="159.99741" units="1/cm"/>
+          <inkml:channelProperty channel="Y" name="resolution" value="160.00462" units="1/cm"/>
+          <inkml:channelProperty channel="T" name="resolution" value="1" units="1/dev"/>
+        </inkml:channelProperties>
+      </inkml:inkSource>
+      <inkml:timestamp xml:id="ts0" timeString="2019-01-15T14:31:45.571"/>
+    </inkml:context>
+    <inkml:brush xml:id="br0">
+      <inkml:brushProperty name="width" value="0.05292" units="cm"/>
+      <inkml:brushProperty name="height" value="0.05292" units="cm"/>
+      <inkml:brushProperty name="color" value="#FF0000"/>
+    </inkml:brush>
+  </inkml:definitions>
+  <inkml:trace contextRef="#ctx0" brushRef="#br0">15921 11371 0,'-12'3'0,"1"-2"0,0 2 16,0-2-16,1 0 16,9-1-16,1 0 0,0 0 15</inkml:trace>
+</inkml:ink>
+</file>
+
+<file path=ppt/ink/ink2.xml><?xml version="1.0" encoding="utf-8"?>
+<inkml:ink xmlns:inkml="http://www.w3.org/2003/InkML">
+  <inkml:definitions>
+    <inkml:context xml:id="ctx0">
+      <inkml:inkSource xml:id="inkSrc0">
+        <inkml:traceFormat>
+          <inkml:channel name="X" type="integer" max="24622" units="cm"/>
+          <inkml:channel name="Y" type="integer" max="13850" units="cm"/>
+          <inkml:channel name="T" type="integer" max="2.14748E9" units="dev"/>
+        </inkml:traceFormat>
+        <inkml:channelProperties>
+          <inkml:channelProperty channel="X" name="resolution" value="159.99741" units="1/cm"/>
+          <inkml:channelProperty channel="Y" name="resolution" value="160.00462" units="1/cm"/>
+          <inkml:channelProperty channel="T" name="resolution" value="1" units="1/dev"/>
+        </inkml:channelProperties>
+      </inkml:inkSource>
+      <inkml:timestamp xml:id="ts0" timeString="2019-01-15T14:31:54.373"/>
+    </inkml:context>
+    <inkml:brush xml:id="br0">
+      <inkml:brushProperty name="width" value="0.05292" units="cm"/>
+      <inkml:brushProperty name="height" value="0.05292" units="cm"/>
+      <inkml:brushProperty name="color" value="#FF0000"/>
+    </inkml:brush>
+  </inkml:definitions>
+  <inkml:trace contextRef="#ctx0" brushRef="#br0">19160 11343 0,'13'4'0,"-12"-4"15,15 0-15,0-2 16,-3-2-16,1-5 15,-3 0-15,-1-4 0,-1 0 16,1-5-16,-2 4 16,2-7-16,-2 3 15,2-5-15,-2 4 16,0-7-16,-1 5 0,0 2 16,-7 19-16,0 0 15,0 0-15,0 0 16</inkml:trace>
+</inkml:ink>
+</file>
+
 <file path=ppt/notesMasters/notesMaster1.xml><?xml version="1.0" encoding="utf-8"?>
 <p:notesMaster xmlns:a="http://schemas.openxmlformats.org/drawingml/2006/main" xmlns:r="http://schemas.openxmlformats.org/officeDocument/2006/relationships" xmlns:p="http://schemas.openxmlformats.org/presentationml/2006/main">
   <p:cSld>
@@ -236,7 +292,7 @@
           <a:p>
             <a:fld id="{E0013154-4408-4E3F-BED0-2B126004246F}" type="datetimeFigureOut">
               <a:rPr lang="pt-PT" smtClean="0"/>
-              <a:t>sex, 4 de jan</a:t>
+              <a:t>ter, 15 de jan</a:t>
             </a:fld>
             <a:endParaRPr lang="pt-PT"/>
           </a:p>
@@ -720,7 +776,7 @@
           <a:p>
             <a:fld id="{A0B37989-8DE0-451E-B350-15B993305FE0}" type="datetime1">
               <a:rPr lang="en-US" smtClean="0"/>
-              <a:t>1/4/2019</a:t>
+              <a:t>1/15/2019</a:t>
             </a:fld>
             <a:endParaRPr lang="en-US" dirty="0"/>
           </a:p>
@@ -1054,7 +1110,7 @@
           <a:p>
             <a:fld id="{73CAECA4-54BE-4F9B-B675-ABF14DE5172A}" type="datetime1">
               <a:rPr lang="en-US" smtClean="0"/>
-              <a:t>1/4/2019</a:t>
+              <a:t>1/15/2019</a:t>
             </a:fld>
             <a:endParaRPr lang="en-US" dirty="0"/>
           </a:p>
@@ -1356,7 +1412,7 @@
           <a:p>
             <a:fld id="{6A1B1000-5A51-4720-B292-66F7B3D1C298}" type="datetime1">
               <a:rPr lang="en-US" smtClean="0"/>
-              <a:t>1/4/2019</a:t>
+              <a:t>1/15/2019</a:t>
             </a:fld>
             <a:endParaRPr lang="en-US" dirty="0"/>
           </a:p>
@@ -1603,7 +1659,7 @@
           <a:p>
             <a:fld id="{0C7E979B-C3F6-4132-80D1-209CA9FED887}" type="datetime1">
               <a:rPr lang="en-US" smtClean="0"/>
-              <a:t>1/4/2019</a:t>
+              <a:t>1/15/2019</a:t>
             </a:fld>
             <a:endParaRPr lang="en-US" dirty="0"/>
           </a:p>
@@ -2010,7 +2066,7 @@
           <a:p>
             <a:fld id="{5B6283CD-B91A-4315-83C1-D6B366DB62D9}" type="datetime1">
               <a:rPr lang="en-US" smtClean="0"/>
-              <a:t>1/4/2019</a:t>
+              <a:t>1/15/2019</a:t>
             </a:fld>
             <a:endParaRPr lang="en-US" dirty="0"/>
           </a:p>
@@ -2324,7 +2380,7 @@
           <a:p>
             <a:fld id="{18567E63-952E-4FD7-ADB0-413D55C5E507}" type="datetime1">
               <a:rPr lang="en-US" smtClean="0"/>
-              <a:t>1/4/2019</a:t>
+              <a:t>1/15/2019</a:t>
             </a:fld>
             <a:endParaRPr lang="en-US" dirty="0"/>
           </a:p>
@@ -2868,7 +2924,7 @@
           <a:p>
             <a:fld id="{D29E73A6-9AA9-41DC-9940-6B4EAAA92AAC}" type="datetime1">
               <a:rPr lang="en-US" smtClean="0"/>
-              <a:t>1/4/2019</a:t>
+              <a:t>1/15/2019</a:t>
             </a:fld>
             <a:endParaRPr lang="en-US" dirty="0"/>
           </a:p>
@@ -3063,7 +3119,7 @@
           <a:p>
             <a:fld id="{43A07CB5-3151-4959-844F-B122B71AA50B}" type="datetime1">
               <a:rPr lang="en-US" smtClean="0"/>
-              <a:t>1/4/2019</a:t>
+              <a:t>1/15/2019</a:t>
             </a:fld>
             <a:endParaRPr lang="en-US" dirty="0"/>
           </a:p>
@@ -3276,7 +3332,7 @@
           <a:p>
             <a:fld id="{5B42DA32-3480-4300-B6AF-7888D0238279}" type="datetime1">
               <a:rPr lang="en-US" smtClean="0"/>
-              <a:t>1/4/2019</a:t>
+              <a:t>1/15/2019</a:t>
             </a:fld>
             <a:endParaRPr lang="en-US" dirty="0"/>
           </a:p>
@@ -3645,7 +3701,7 @@
           <a:p>
             <a:fld id="{A79FDB64-FC80-4A48-933C-ACB6AF1EF036}" type="datetime1">
               <a:rPr lang="en-US" smtClean="0"/>
-              <a:t>1/4/2019</a:t>
+              <a:t>1/15/2019</a:t>
             </a:fld>
             <a:endParaRPr lang="en-US" dirty="0"/>
           </a:p>
@@ -4048,7 +4104,7 @@
           <a:p>
             <a:fld id="{0FCAC5C9-4B3B-4D00-B7E0-93CAEC9CC7F0}" type="datetime1">
               <a:rPr lang="en-US" smtClean="0"/>
-              <a:t>1/4/2019</a:t>
+              <a:t>1/15/2019</a:t>
             </a:fld>
             <a:endParaRPr lang="en-US" dirty="0"/>
           </a:p>
@@ -4386,7 +4442,7 @@
           <a:p>
             <a:fld id="{3ADA22DD-5213-4F4C-AF3B-D1AB0B821768}" type="datetime1">
               <a:rPr lang="en-US" smtClean="0"/>
-              <a:t>1/4/2019</a:t>
+              <a:t>1/15/2019</a:t>
             </a:fld>
             <a:endParaRPr lang="en-US" dirty="0"/>
           </a:p>
@@ -6059,6 +6115,57 @@
           </a:p>
         </p:txBody>
       </p:sp>
+      <mc:AlternateContent xmlns:mc="http://schemas.openxmlformats.org/markup-compatibility/2006">
+        <mc:Choice xmlns:p14="http://schemas.microsoft.com/office/powerpoint/2010/main" Requires="p14">
+          <p:contentPart p14:bwMode="auto" r:id="rId2">
+            <p14:nvContentPartPr>
+              <p14:cNvPr id="6" name="Ink 5">
+                <a:extLst>
+                  <a:ext uri="{FF2B5EF4-FFF2-40B4-BE49-F238E27FC236}">
+                    <a16:creationId xmlns:a16="http://schemas.microsoft.com/office/drawing/2014/main" id="{D25D1C41-4BC1-4358-A0F7-AC670D65A6AD}"/>
+                  </a:ext>
+                </a:extLst>
+              </p14:cNvPr>
+              <p14:cNvContentPartPr/>
+              <p14:nvPr/>
+            </p14:nvContentPartPr>
+            <p14:xfrm>
+              <a:off x="5711400" y="4093560"/>
+              <a:ext cx="20520" cy="3600"/>
+            </p14:xfrm>
+          </p:contentPart>
+        </mc:Choice>
+        <mc:Fallback>
+          <p:pic>
+            <p:nvPicPr>
+              <p:cNvPr id="6" name="Ink 5">
+                <a:extLst>
+                  <a:ext uri="{FF2B5EF4-FFF2-40B4-BE49-F238E27FC236}">
+                    <a16:creationId xmlns:a16="http://schemas.microsoft.com/office/drawing/2014/main" id="{D25D1C41-4BC1-4358-A0F7-AC670D65A6AD}"/>
+                  </a:ext>
+                </a:extLst>
+              </p:cNvPr>
+              <p:cNvPicPr/>
+              <p:nvPr/>
+            </p:nvPicPr>
+            <p:blipFill>
+              <a:blip r:embed="rId3"/>
+              <a:stretch>
+                <a:fillRect/>
+              </a:stretch>
+            </p:blipFill>
+            <p:spPr>
+              <a:xfrm>
+                <a:off x="5702040" y="4084200"/>
+                <a:ext cx="39240" cy="22320"/>
+              </a:xfrm>
+              <a:prstGeom prst="rect">
+                <a:avLst/>
+              </a:prstGeom>
+            </p:spPr>
+          </p:pic>
+        </mc:Fallback>
+      </mc:AlternateContent>
     </p:spTree>
     <p:extLst>
       <p:ext uri="{BB962C8B-B14F-4D97-AF65-F5344CB8AC3E}">
@@ -6204,6 +6311,57 @@
           </a:xfrm>
         </p:spPr>
       </p:pic>
+      <mc:AlternateContent xmlns:mc="http://schemas.openxmlformats.org/markup-compatibility/2006">
+        <mc:Choice xmlns:p14="http://schemas.microsoft.com/office/powerpoint/2010/main" Requires="p14">
+          <p:contentPart p14:bwMode="auto" r:id="rId3">
+            <p14:nvContentPartPr>
+              <p14:cNvPr id="3" name="Ink 2">
+                <a:extLst>
+                  <a:ext uri="{FF2B5EF4-FFF2-40B4-BE49-F238E27FC236}">
+                    <a16:creationId xmlns:a16="http://schemas.microsoft.com/office/drawing/2014/main" id="{B6E65509-9B1E-4ADF-ACF4-82CFBC844E7D}"/>
+                  </a:ext>
+                </a:extLst>
+              </p14:cNvPr>
+              <p14:cNvContentPartPr/>
+              <p14:nvPr/>
+            </p14:nvContentPartPr>
+            <p14:xfrm>
+              <a:off x="6897600" y="4002480"/>
+              <a:ext cx="64800" cy="82800"/>
+            </p14:xfrm>
+          </p:contentPart>
+        </mc:Choice>
+        <mc:Fallback>
+          <p:pic>
+            <p:nvPicPr>
+              <p:cNvPr id="3" name="Ink 2">
+                <a:extLst>
+                  <a:ext uri="{FF2B5EF4-FFF2-40B4-BE49-F238E27FC236}">
+                    <a16:creationId xmlns:a16="http://schemas.microsoft.com/office/drawing/2014/main" id="{B6E65509-9B1E-4ADF-ACF4-82CFBC844E7D}"/>
+                  </a:ext>
+                </a:extLst>
+              </p:cNvPr>
+              <p:cNvPicPr/>
+              <p:nvPr/>
+            </p:nvPicPr>
+            <p:blipFill>
+              <a:blip r:embed="rId4"/>
+              <a:stretch>
+                <a:fillRect/>
+              </a:stretch>
+            </p:blipFill>
+            <p:spPr>
+              <a:xfrm>
+                <a:off x="6888240" y="3993120"/>
+                <a:ext cx="83520" cy="101520"/>
+              </a:xfrm>
+              <a:prstGeom prst="rect">
+                <a:avLst/>
+              </a:prstGeom>
+            </p:spPr>
+          </p:pic>
+        </mc:Fallback>
+      </mc:AlternateContent>
     </p:spTree>
     <p:extLst>
       <p:ext uri="{BB962C8B-B14F-4D97-AF65-F5344CB8AC3E}">
